--- a/Code/learningWebGL/作业3/第三次作业.pptx
+++ b/Code/learningWebGL/作业3/第三次作业.pptx
@@ -331,7 +331,7 @@
             <a:fld id="{717742FC-62BB-4B81-9CA5-3B750A4B4580}" type="datetimeFigureOut">
               <a:rPr lang="zh-CN" altLang="en-US" smtClean="0"/>
               <a:pPr/>
-              <a:t>2019/11/29</a:t>
+              <a:t>2020/1/2</a:t>
             </a:fld>
             <a:endParaRPr lang="zh-CN" altLang="en-US"/>
           </a:p>
@@ -506,7 +506,7 @@
               <a:pPr>
                 <a:defRPr/>
               </a:pPr>
-              <a:t>2019/11/29</a:t>
+              <a:t>2020/1/2</a:t>
             </a:fld>
             <a:endParaRPr lang="zh-CN" altLang="en-US"/>
           </a:p>
@@ -1636,7 +1636,7 @@
               <a:pPr>
                 <a:defRPr/>
               </a:pPr>
-              <a:t>2019/11/29</a:t>
+              <a:t>2020/1/2</a:t>
             </a:fld>
             <a:endParaRPr lang="zh-CN" altLang="en-US"/>
           </a:p>
@@ -1852,7 +1852,7 @@
               <a:pPr>
                 <a:defRPr/>
               </a:pPr>
-              <a:t>2019/11/29</a:t>
+              <a:t>2020/1/2</a:t>
             </a:fld>
             <a:endParaRPr lang="zh-CN" altLang="en-US"/>
           </a:p>
@@ -2068,7 +2068,7 @@
               <a:pPr>
                 <a:defRPr/>
               </a:pPr>
-              <a:t>2019/11/29</a:t>
+              <a:t>2020/1/2</a:t>
             </a:fld>
             <a:endParaRPr lang="zh-CN" altLang="en-US"/>
           </a:p>
@@ -2284,7 +2284,7 @@
               <a:pPr>
                 <a:defRPr/>
               </a:pPr>
-              <a:t>2019/11/29</a:t>
+              <a:t>2020/1/2</a:t>
             </a:fld>
             <a:endParaRPr lang="zh-CN" altLang="en-US"/>
           </a:p>
@@ -2435,7 +2435,7 @@
             <a:fld id="{32BF82D2-7A68-459D-A996-9BDDA2518FA4}" type="datetimeFigureOut">
               <a:rPr lang="zh-CN" altLang="en-US" smtClean="0"/>
               <a:pPr/>
-              <a:t>2019/11/29</a:t>
+              <a:t>2020/1/2</a:t>
             </a:fld>
             <a:endParaRPr lang="zh-CN" altLang="en-US"/>
           </a:p>
@@ -3001,7 +3001,7 @@
             <a:fld id="{43A93E93-166D-47F5-9EF1-ACEABE24AEEA}" type="datetimeFigureOut">
               <a:rPr lang="zh-CN" altLang="en-US" smtClean="0"/>
               <a:pPr/>
-              <a:t>2019/11/29</a:t>
+              <a:t>2020/1/2</a:t>
             </a:fld>
             <a:endParaRPr lang="zh-CN" altLang="en-US"/>
           </a:p>
@@ -10892,7 +10892,7 @@
         </p:blipFill>
         <p:spPr>
           <a:xfrm>
-            <a:off x="252314" y="0"/>
+            <a:off x="324322" y="0"/>
             <a:ext cx="8197149" cy="5145088"/>
           </a:xfrm>
           <a:prstGeom prst="rect">
